--- a/materials/slides/ch04-1.pptx
+++ b/materials/slides/ch04-1.pptx
@@ -144,7 +144,7 @@
   </p:defaultTextStyle>
   <p:extLst>
     <p:ext uri="{EFAFB233-063F-42B5-8137-9DF3F51BA10A}">
-      <p15:sldGuideLst xmlns:p15="http://schemas.microsoft.com/office/powerpoint/2012/main">
+      <p15:sldGuideLst xmlns:p15="http://schemas.microsoft.com/office/powerpoint/2012/main" xmlns="">
         <p15:guide id="1" orient="horz" pos="2160" userDrawn="1">
           <p15:clr>
             <a:srgbClr val="A4A3A4"/>
@@ -166,7 +166,7 @@
   <p:cmAuthor id="1" name="Eetze" initials="E" lastIdx="1" clrIdx="0">
     <p:extLst>
       <p:ext uri="{19B8F6BF-5375-455C-9EA6-DF929625EA0E}">
-        <p15:presenceInfo xmlns:p15="http://schemas.microsoft.com/office/powerpoint/2012/main" userId="Eetze" providerId="None"/>
+        <p15:presenceInfo xmlns:p15="http://schemas.microsoft.com/office/powerpoint/2012/main" xmlns="" userId="Eetze" providerId="None"/>
       </p:ext>
     </p:extLst>
   </p:cmAuthor>
@@ -255,7 +255,7 @@
           <a:p>
             <a:fld id="{A097A4FE-15A4-4468-9890-CEB24014ACB3}" type="datetimeFigureOut">
               <a:rPr lang="zh-CN" altLang="en-US" smtClean="0"/>
-              <a:t>2018/3/21</a:t>
+              <a:t>2018/10/15</a:t>
             </a:fld>
             <a:endParaRPr lang="zh-CN" altLang="en-US"/>
           </a:p>
@@ -566,6 +566,201 @@
           <a:bodyPr/>
           <a:lstStyle/>
           <a:p>
+            <a:endParaRPr lang="zh-CN" altLang="en-US" dirty="0"/>
+          </a:p>
+        </p:txBody>
+      </p:sp>
+      <p:sp>
+        <p:nvSpPr>
+          <p:cNvPr id="4" name="灯片编号占位符 3"/>
+          <p:cNvSpPr>
+            <a:spLocks noGrp="1"/>
+          </p:cNvSpPr>
+          <p:nvPr>
+            <p:ph type="sldNum" sz="quarter" idx="10"/>
+          </p:nvPr>
+        </p:nvSpPr>
+        <p:spPr/>
+        <p:txBody>
+          <a:bodyPr/>
+          <a:lstStyle/>
+          <a:p>
+            <a:fld id="{67AFED13-18EC-4853-B935-6E23F2540B2D}" type="slidenum">
+              <a:rPr lang="zh-CN" altLang="en-US" smtClean="0"/>
+              <a:t>17</a:t>
+            </a:fld>
+            <a:endParaRPr lang="zh-CN" altLang="en-US"/>
+          </a:p>
+        </p:txBody>
+      </p:sp>
+    </p:spTree>
+    <p:extLst>
+      <p:ext uri="{BB962C8B-B14F-4D97-AF65-F5344CB8AC3E}">
+        <p14:creationId xmlns:p14="http://schemas.microsoft.com/office/powerpoint/2010/main" val="2438246072"/>
+      </p:ext>
+    </p:extLst>
+  </p:cSld>
+  <p:clrMapOvr>
+    <a:masterClrMapping/>
+  </p:clrMapOvr>
+</p:notes>
+</file>
+
+<file path=ppt/notesSlides/notesSlide2.xml><?xml version="1.0" encoding="utf-8"?>
+<p:notes xmlns:a="http://schemas.openxmlformats.org/drawingml/2006/main" xmlns:r="http://schemas.openxmlformats.org/officeDocument/2006/relationships" xmlns:p="http://schemas.openxmlformats.org/presentationml/2006/main">
+  <p:cSld>
+    <p:spTree>
+      <p:nvGrpSpPr>
+        <p:cNvPr id="1" name=""/>
+        <p:cNvGrpSpPr/>
+        <p:nvPr/>
+      </p:nvGrpSpPr>
+      <p:grpSpPr>
+        <a:xfrm>
+          <a:off x="0" y="0"/>
+          <a:ext cx="0" cy="0"/>
+          <a:chOff x="0" y="0"/>
+          <a:chExt cx="0" cy="0"/>
+        </a:xfrm>
+      </p:grpSpPr>
+      <p:sp>
+        <p:nvSpPr>
+          <p:cNvPr id="2" name="幻灯片图像占位符 1"/>
+          <p:cNvSpPr>
+            <a:spLocks noGrp="1" noRot="1" noChangeAspect="1"/>
+          </p:cNvSpPr>
+          <p:nvPr>
+            <p:ph type="sldImg"/>
+          </p:nvPr>
+        </p:nvSpPr>
+        <p:spPr/>
+      </p:sp>
+      <p:sp>
+        <p:nvSpPr>
+          <p:cNvPr id="3" name="备注占位符 2"/>
+          <p:cNvSpPr>
+            <a:spLocks noGrp="1"/>
+          </p:cNvSpPr>
+          <p:nvPr>
+            <p:ph type="body" idx="1"/>
+          </p:nvPr>
+        </p:nvSpPr>
+        <p:spPr/>
+        <p:txBody>
+          <a:bodyPr/>
+          <a:lstStyle/>
+          <a:p>
+            <a:pPr marL="0" marR="0" indent="0" algn="l" defTabSz="914400" rtl="0" eaLnBrk="1" fontAlgn="auto" latinLnBrk="0" hangingPunct="1">
+              <a:lnSpc>
+                <a:spcPct val="100000"/>
+              </a:lnSpc>
+              <a:spcBef>
+                <a:spcPts val="0"/>
+              </a:spcBef>
+              <a:spcAft>
+                <a:spcPts val="0"/>
+              </a:spcAft>
+              <a:buClrTx/>
+              <a:buSzTx/>
+              <a:buFontTx/>
+              <a:buNone/>
+              <a:tabLst/>
+              <a:defRPr/>
+            </a:pPr>
+            <a:r>
+              <a:rPr lang="en-US" altLang="zh-CN" dirty="0" smtClean="0"/>
+              <a:t>Intent</a:t>
+            </a:r>
+            <a:r>
+              <a:rPr lang="zh-CN" altLang="en-US" smtClean="0"/>
+              <a:t>意图</a:t>
+            </a:r>
+          </a:p>
+          <a:p>
+            <a:endParaRPr lang="zh-CN" altLang="en-US"/>
+          </a:p>
+        </p:txBody>
+      </p:sp>
+      <p:sp>
+        <p:nvSpPr>
+          <p:cNvPr id="4" name="灯片编号占位符 3"/>
+          <p:cNvSpPr>
+            <a:spLocks noGrp="1"/>
+          </p:cNvSpPr>
+          <p:nvPr>
+            <p:ph type="sldNum" sz="quarter" idx="10"/>
+          </p:nvPr>
+        </p:nvSpPr>
+        <p:spPr/>
+        <p:txBody>
+          <a:bodyPr/>
+          <a:lstStyle/>
+          <a:p>
+            <a:fld id="{67AFED13-18EC-4853-B935-6E23F2540B2D}" type="slidenum">
+              <a:rPr lang="zh-CN" altLang="en-US" smtClean="0"/>
+              <a:t>18</a:t>
+            </a:fld>
+            <a:endParaRPr lang="zh-CN" altLang="en-US"/>
+          </a:p>
+        </p:txBody>
+      </p:sp>
+    </p:spTree>
+    <p:extLst>
+      <p:ext uri="{BB962C8B-B14F-4D97-AF65-F5344CB8AC3E}">
+        <p14:creationId xmlns:p14="http://schemas.microsoft.com/office/powerpoint/2010/main" val="214158692"/>
+      </p:ext>
+    </p:extLst>
+  </p:cSld>
+  <p:clrMapOvr>
+    <a:masterClrMapping/>
+  </p:clrMapOvr>
+</p:notes>
+</file>
+
+<file path=ppt/notesSlides/notesSlide3.xml><?xml version="1.0" encoding="utf-8"?>
+<p:notes xmlns:a="http://schemas.openxmlformats.org/drawingml/2006/main" xmlns:r="http://schemas.openxmlformats.org/officeDocument/2006/relationships" xmlns:p="http://schemas.openxmlformats.org/presentationml/2006/main">
+  <p:cSld>
+    <p:spTree>
+      <p:nvGrpSpPr>
+        <p:cNvPr id="1" name=""/>
+        <p:cNvGrpSpPr/>
+        <p:nvPr/>
+      </p:nvGrpSpPr>
+      <p:grpSpPr>
+        <a:xfrm>
+          <a:off x="0" y="0"/>
+          <a:ext cx="0" cy="0"/>
+          <a:chOff x="0" y="0"/>
+          <a:chExt cx="0" cy="0"/>
+        </a:xfrm>
+      </p:grpSpPr>
+      <p:sp>
+        <p:nvSpPr>
+          <p:cNvPr id="2" name="幻灯片图像占位符 1"/>
+          <p:cNvSpPr>
+            <a:spLocks noGrp="1" noRot="1" noChangeAspect="1"/>
+          </p:cNvSpPr>
+          <p:nvPr>
+            <p:ph type="sldImg"/>
+          </p:nvPr>
+        </p:nvSpPr>
+        <p:spPr/>
+      </p:sp>
+      <p:sp>
+        <p:nvSpPr>
+          <p:cNvPr id="3" name="备注占位符 2"/>
+          <p:cNvSpPr>
+            <a:spLocks noGrp="1"/>
+          </p:cNvSpPr>
+          <p:nvPr>
+            <p:ph type="body" idx="1"/>
+          </p:nvPr>
+        </p:nvSpPr>
+        <p:spPr/>
+        <p:txBody>
+          <a:bodyPr/>
+          <a:lstStyle/>
+          <a:p>
             <a:endParaRPr lang="zh-CN" altLang="en-US"/>
           </a:p>
         </p:txBody>
@@ -1675,7 +1870,7 @@
           <a:p>
             <a:fld id="{530820CF-B880-4189-942D-D702A7CBA730}" type="datetimeFigureOut">
               <a:rPr lang="zh-CN" altLang="en-US" smtClean="0"/>
-              <a:t>2018/3/21</a:t>
+              <a:t>2018/10/15</a:t>
             </a:fld>
             <a:endParaRPr lang="zh-CN" altLang="en-US"/>
           </a:p>
@@ -1794,7 +1989,7 @@
           <a:p>
             <a:fld id="{530820CF-B880-4189-942D-D702A7CBA730}" type="datetimeFigureOut">
               <a:rPr lang="zh-CN" altLang="en-US" smtClean="0"/>
-              <a:t>2018/3/21</a:t>
+              <a:t>2018/10/15</a:t>
             </a:fld>
             <a:endParaRPr lang="zh-CN" altLang="en-US"/>
           </a:p>
@@ -2197,7 +2392,7 @@
           <a:p>
             <a:fld id="{530820CF-B880-4189-942D-D702A7CBA730}" type="datetimeFigureOut">
               <a:rPr lang="zh-CN" altLang="en-US" smtClean="0"/>
-              <a:t>2018/3/21</a:t>
+              <a:t>2018/10/15</a:t>
             </a:fld>
             <a:endParaRPr lang="zh-CN" altLang="en-US"/>
           </a:p>
@@ -21405,7 +21600,7 @@
       </p:sp>
       <p:pic>
         <p:nvPicPr>
-          <p:cNvPr id="7" name="Picture 2"/>
+          <p:cNvPr id="1026" name="Picture 2"/>
           <p:cNvPicPr>
             <a:picLocks noChangeAspect="1" noChangeArrowheads="1"/>
           </p:cNvPicPr>
@@ -21426,26 +21621,17 @@
         </p:blipFill>
         <p:spPr bwMode="auto">
           <a:xfrm>
-            <a:off x="2711624" y="2863537"/>
-            <a:ext cx="2441097" cy="3740586"/>
+            <a:off x="2783632" y="2924944"/>
+            <a:ext cx="2232248" cy="3702265"/>
           </a:xfrm>
           <a:prstGeom prst="rect">
             <a:avLst/>
           </a:prstGeom>
           <a:noFill/>
-          <a:ln w="9525">
-            <a:solidFill>
-              <a:schemeClr val="tx1"/>
-            </a:solidFill>
-            <a:miter lim="800000"/>
-            <a:headEnd/>
-            <a:tailEnd/>
+          <a:ln>
+            <a:noFill/>
           </a:ln>
-          <a:effectLst>
-            <a:outerShdw dist="35921" dir="2700000" algn="ctr" rotWithShape="0">
-              <a:schemeClr val="bg2"/>
-            </a:outerShdw>
-          </a:effectLst>
+          <a:effectLst/>
           <a:extLst>
             <a:ext uri="{909E8E84-426E-40DD-AFC4-6F175D3DCCD1}">
               <a14:hiddenFill xmlns:a14="http://schemas.microsoft.com/office/drawing/2010/main">
@@ -21453,13 +21639,32 @@
                   <a:schemeClr val="accent1"/>
                 </a:solidFill>
               </a14:hiddenFill>
+            </a:ext>
+            <a:ext uri="{91240B29-F687-4F45-9708-019B960494DF}">
+              <a14:hiddenLine xmlns:a14="http://schemas.microsoft.com/office/drawing/2010/main" w="9525">
+                <a:solidFill>
+                  <a:schemeClr val="tx1"/>
+                </a:solidFill>
+                <a:miter lim="800000"/>
+                <a:headEnd/>
+                <a:tailEnd/>
+              </a14:hiddenLine>
+            </a:ext>
+            <a:ext uri="{AF507438-7753-43E0-B8FC-AC1667EBCBE1}">
+              <a14:hiddenEffects xmlns:a14="http://schemas.microsoft.com/office/drawing/2010/main">
+                <a:effectLst>
+                  <a:outerShdw dist="35921" dir="2700000" algn="ctr" rotWithShape="0">
+                    <a:schemeClr val="bg2"/>
+                  </a:outerShdw>
+                </a:effectLst>
+              </a14:hiddenEffects>
             </a:ext>
           </a:extLst>
         </p:spPr>
       </p:pic>
       <p:pic>
         <p:nvPicPr>
-          <p:cNvPr id="8" name="Picture 3"/>
+          <p:cNvPr id="1027" name="Picture 3"/>
           <p:cNvPicPr>
             <a:picLocks noChangeAspect="1" noChangeArrowheads="1"/>
           </p:cNvPicPr>
@@ -21480,26 +21685,17 @@
         </p:blipFill>
         <p:spPr bwMode="auto">
           <a:xfrm>
-            <a:off x="6290250" y="2868320"/>
-            <a:ext cx="2398038" cy="3740586"/>
+            <a:off x="6384032" y="2924944"/>
+            <a:ext cx="2256078" cy="3702265"/>
           </a:xfrm>
           <a:prstGeom prst="rect">
             <a:avLst/>
           </a:prstGeom>
           <a:noFill/>
-          <a:ln w="9525">
-            <a:solidFill>
-              <a:schemeClr val="tx1"/>
-            </a:solidFill>
-            <a:miter lim="800000"/>
-            <a:headEnd/>
-            <a:tailEnd/>
+          <a:ln>
+            <a:noFill/>
           </a:ln>
-          <a:effectLst>
-            <a:outerShdw dist="35921" dir="2700000" algn="ctr" rotWithShape="0">
-              <a:schemeClr val="bg2"/>
-            </a:outerShdw>
-          </a:effectLst>
+          <a:effectLst/>
           <a:extLst>
             <a:ext uri="{909E8E84-426E-40DD-AFC4-6F175D3DCCD1}">
               <a14:hiddenFill xmlns:a14="http://schemas.microsoft.com/office/drawing/2010/main">
@@ -21507,6 +21703,25 @@
                   <a:schemeClr val="accent1"/>
                 </a:solidFill>
               </a14:hiddenFill>
+            </a:ext>
+            <a:ext uri="{91240B29-F687-4F45-9708-019B960494DF}">
+              <a14:hiddenLine xmlns:a14="http://schemas.microsoft.com/office/drawing/2010/main" w="9525">
+                <a:solidFill>
+                  <a:schemeClr val="tx1"/>
+                </a:solidFill>
+                <a:miter lim="800000"/>
+                <a:headEnd/>
+                <a:tailEnd/>
+              </a14:hiddenLine>
+            </a:ext>
+            <a:ext uri="{AF507438-7753-43E0-B8FC-AC1667EBCBE1}">
+              <a14:hiddenEffects xmlns:a14="http://schemas.microsoft.com/office/drawing/2010/main">
+                <a:effectLst>
+                  <a:outerShdw dist="35921" dir="2700000" algn="ctr" rotWithShape="0">
+                    <a:schemeClr val="bg2"/>
+                  </a:outerShdw>
+                </a:effectLst>
+              </a14:hiddenEffects>
             </a:ext>
           </a:extLst>
         </p:spPr>
@@ -21521,6 +21736,13 @@
   <p:clrMapOvr>
     <a:masterClrMapping/>
   </p:clrMapOvr>
+  <p:timing>
+    <p:tnLst>
+      <p:par>
+        <p:cTn id="1" dur="indefinite" restart="never" nodeType="tmRoot"/>
+      </p:par>
+    </p:tnLst>
+  </p:timing>
 </p:sld>
 </file>
 
